--- a/个人课程报告.pptx
+++ b/个人课程报告.pptx
@@ -9152,6 +9152,10 @@
           </a:p>
           <a:p>
             <a:pPr lvl="1"/>
+            <a:r>
+              <a:rPr lang="zh-CN" altLang="en-US"/>
+              <a:t>语言</a:t>
+            </a:r>
             <a:r>
               <a:rPr lang="zh-CN" altLang="en-US"/>
               <a:t>设计之初</a:t>

--- a/个人课程报告.pptx
+++ b/个人课程报告.pptx
@@ -20,8 +20,8 @@
     <p:sldId id="287" r:id="rId13"/>
     <p:sldId id="288" r:id="rId14"/>
     <p:sldId id="289" r:id="rId15"/>
-    <p:sldId id="290" r:id="rId16"/>
-    <p:sldId id="291" r:id="rId17"/>
+    <p:sldId id="291" r:id="rId16"/>
+    <p:sldId id="290" r:id="rId17"/>
     <p:sldId id="292" r:id="rId18"/>
     <p:sldId id="293" r:id="rId19"/>
     <p:sldId id="294" r:id="rId20"/>
@@ -688,6 +688,321 @@
               </a:spcBef>
             </a:pPr>
             <a:endParaRPr lang="zh-CN" altLang="zh-CN"/>
+          </a:p>
+        </p:txBody>
+      </p:sp>
+    </p:spTree>
+  </p:cSld>
+  <p:clrMapOvr>
+    <a:masterClrMapping/>
+  </p:clrMapOvr>
+</p:notes>
+</file>
+
+<file path=ppt/notesSlides/notesSlide2.xml><?xml version="1.0" encoding="utf-8"?>
+<p:notes xmlns:a="http://schemas.openxmlformats.org/drawingml/2006/main" xmlns:r="http://schemas.openxmlformats.org/officeDocument/2006/relationships" xmlns:p="http://schemas.openxmlformats.org/presentationml/2006/main">
+  <p:cSld>
+    <p:spTree>
+      <p:nvGrpSpPr>
+        <p:cNvPr id="1" name=""/>
+        <p:cNvGrpSpPr/>
+        <p:nvPr/>
+      </p:nvGrpSpPr>
+      <p:grpSpPr/>
+      <p:sp>
+        <p:nvSpPr>
+          <p:cNvPr id="2" name="幻灯片图像占位符 1"/>
+          <p:cNvSpPr/>
+          <p:nvPr>
+            <p:ph type="sldImg" idx="2"/>
+          </p:nvPr>
+        </p:nvSpPr>
+        <p:spPr/>
+      </p:sp>
+      <p:sp>
+        <p:nvSpPr>
+          <p:cNvPr id="3" name="文本占位符 2"/>
+          <p:cNvSpPr/>
+          <p:nvPr>
+            <p:ph type="body" idx="3"/>
+          </p:nvPr>
+        </p:nvSpPr>
+        <p:spPr/>
+        <p:txBody>
+          <a:bodyPr/>
+          <a:p>
+            <a:r>
+              <a:rPr lang="en-US" altLang="zh-CN"/>
+              <a:t>1.</a:t>
+            </a:r>
+            <a:r>
+              <a:rPr lang="zh-CN" altLang="en-US"/>
+              <a:t>理论本身并不能为加入或去掉一个特征提供充分的证据，正确的推动力应该来源于实际证明的语言在表达工作项目中存在的不充分的地方</a:t>
+            </a:r>
+            <a:endParaRPr lang="zh-CN" altLang="en-US"/>
+          </a:p>
+          <a:p>
+            <a:r>
+              <a:rPr lang="en-US" altLang="zh-CN"/>
+              <a:t>2.</a:t>
+            </a:r>
+            <a:r>
+              <a:rPr lang="zh-CN" altLang="en-US"/>
+              <a:t>任何程序设计语言都是不完美的</a:t>
+            </a:r>
+            <a:endParaRPr lang="zh-CN" altLang="en-US"/>
+          </a:p>
+          <a:p>
+            <a:r>
+              <a:rPr lang="en-US" altLang="zh-CN"/>
+              <a:t>3.</a:t>
+            </a:r>
+            <a:r>
+              <a:rPr lang="zh-CN" altLang="en-US"/>
+              <a:t>这个规则的意义在于语言应该随着时间的推移而改变，随着人们抱负和期望的增长，自然也要求更多的功能，更多的计算资源，面对的问题也在不断变化，语言不应该是运行在一个过时的系统或工具上的</a:t>
+            </a:r>
+            <a:endParaRPr lang="zh-CN" altLang="en-US"/>
+          </a:p>
+          <a:p>
+            <a:r>
+              <a:rPr lang="en-US" altLang="zh-CN"/>
+              <a:t>4.C++</a:t>
+            </a:r>
+            <a:r>
+              <a:rPr lang="zh-CN" altLang="en-US"/>
+              <a:t>支持工具的开发，但不强求某种特定的形式，程序员仍有选择的自由。能够迎合各种系统中对语言和工具交互的需求。</a:t>
+            </a:r>
+            <a:endParaRPr lang="zh-CN" altLang="en-US"/>
+          </a:p>
+          <a:p>
+            <a:r>
+              <a:rPr lang="en-US" altLang="zh-CN"/>
+              <a:t>5.</a:t>
+            </a:r>
+            <a:r>
+              <a:rPr lang="zh-CN" altLang="en-US"/>
+              <a:t>支持各种风格的程序设计。</a:t>
+            </a:r>
+            <a:endParaRPr lang="zh-CN" altLang="en-US"/>
+          </a:p>
+          <a:p>
+            <a:r>
+              <a:rPr lang="en-US" altLang="zh-CN"/>
+              <a:t>6.</a:t>
+            </a:r>
+            <a:r>
+              <a:rPr lang="zh-CN" altLang="en-US"/>
+              <a:t>支持范围广泛的合理的设计和编程风格</a:t>
+            </a:r>
+            <a:endParaRPr lang="zh-CN" altLang="en-US"/>
+          </a:p>
+        </p:txBody>
+      </p:sp>
+    </p:spTree>
+  </p:cSld>
+  <p:clrMapOvr>
+    <a:masterClrMapping/>
+  </p:clrMapOvr>
+</p:notes>
+</file>
+
+<file path=ppt/notesSlides/notesSlide3.xml><?xml version="1.0" encoding="utf-8"?>
+<p:notes xmlns:a="http://schemas.openxmlformats.org/drawingml/2006/main" xmlns:r="http://schemas.openxmlformats.org/officeDocument/2006/relationships" xmlns:p="http://schemas.openxmlformats.org/presentationml/2006/main">
+  <p:cSld>
+    <p:spTree>
+      <p:nvGrpSpPr>
+        <p:cNvPr id="1" name=""/>
+        <p:cNvGrpSpPr/>
+        <p:nvPr/>
+      </p:nvGrpSpPr>
+      <p:grpSpPr/>
+      <p:sp>
+        <p:nvSpPr>
+          <p:cNvPr id="2" name="幻灯片图像占位符 1"/>
+          <p:cNvSpPr/>
+          <p:nvPr>
+            <p:ph type="sldImg" idx="2"/>
+          </p:nvPr>
+        </p:nvSpPr>
+        <p:spPr/>
+      </p:sp>
+      <p:sp>
+        <p:nvSpPr>
+          <p:cNvPr id="3" name="文本占位符 2"/>
+          <p:cNvSpPr/>
+          <p:nvPr>
+            <p:ph type="body" idx="3"/>
+          </p:nvPr>
+        </p:nvSpPr>
+        <p:spPr/>
+        <p:txBody>
+          <a:bodyPr/>
+          <a:p>
+            <a:r>
+              <a:rPr lang="en-US" altLang="zh-CN"/>
+              <a:t>1.C++</a:t>
+            </a:r>
+            <a:r>
+              <a:rPr lang="zh-CN" altLang="en-US"/>
+              <a:t>一致的设计概念</a:t>
+            </a:r>
+            <a:r>
+              <a:rPr lang="en-US" altLang="zh-CN"/>
+              <a:t>:</a:t>
+            </a:r>
+            <a:r>
+              <a:rPr lang="zh-CN" altLang="en-US"/>
+              <a:t>有关程序员如何设计的基本思想（面向对象程序设计），提升系统 的重选</a:t>
+            </a:r>
+            <a:r>
+              <a:rPr lang="en-US" altLang="zh-CN"/>
+              <a:t>ing</a:t>
+            </a:r>
+            <a:r>
+              <a:rPr lang="zh-CN" altLang="en-US"/>
+              <a:t>层次。</a:t>
+            </a:r>
+            <a:endParaRPr lang="zh-CN" altLang="en-US"/>
+          </a:p>
+          <a:p>
+            <a:r>
+              <a:rPr lang="zh-CN" altLang="en-US"/>
+              <a:t>个别的语言特征都必须符合一个整体模式，要看他能否行成一种可通过类进行有效表达的概念。</a:t>
+            </a:r>
+            <a:endParaRPr lang="zh-CN" altLang="en-US"/>
+          </a:p>
+          <a:p>
+            <a:r>
+              <a:rPr lang="en-US" altLang="zh-CN"/>
+              <a:t>2.</a:t>
+            </a:r>
+            <a:r>
+              <a:rPr lang="zh-CN" altLang="en-US"/>
+              <a:t>高级语言区别于低级语言的地方</a:t>
+            </a:r>
+            <a:endParaRPr lang="zh-CN" altLang="en-US"/>
+          </a:p>
+          <a:p>
+            <a:r>
+              <a:rPr lang="en-US" altLang="zh-CN"/>
+              <a:t>3.</a:t>
+            </a:r>
+            <a:r>
+              <a:rPr lang="zh-CN" altLang="en-US"/>
+              <a:t>仅仅为用户提供一种语言特征或技术是不够的，这些解决方案都应该是能低代价的负担的起的</a:t>
+            </a:r>
+            <a:endParaRPr lang="zh-CN" altLang="en-US"/>
+          </a:p>
+          <a:p>
+            <a:r>
+              <a:rPr lang="en-US" altLang="zh-CN"/>
+              <a:t>4.</a:t>
+            </a:r>
+            <a:r>
+              <a:rPr lang="zh-CN" altLang="en-US"/>
+              <a:t>设计的努力应该更多的放在提供机制，帮助人写出好的程序上，而不是放在禁止不可避免的坏程序上</a:t>
+            </a:r>
+            <a:endParaRPr lang="zh-CN" altLang="en-US"/>
+          </a:p>
+          <a:p>
+            <a:r>
+              <a:rPr lang="en-US" altLang="zh-CN"/>
+              <a:t>5.</a:t>
+            </a:r>
+            <a:r>
+              <a:rPr lang="zh-CN" altLang="en-US"/>
+              <a:t>支持独立于大系统的部件开发和组合</a:t>
+            </a:r>
+            <a:endParaRPr lang="zh-CN" altLang="en-US"/>
+          </a:p>
+        </p:txBody>
+      </p:sp>
+    </p:spTree>
+  </p:cSld>
+  <p:clrMapOvr>
+    <a:masterClrMapping/>
+  </p:clrMapOvr>
+</p:notes>
+</file>
+
+<file path=ppt/notesSlides/notesSlide4.xml><?xml version="1.0" encoding="utf-8"?>
+<p:notes xmlns:a="http://schemas.openxmlformats.org/drawingml/2006/main" xmlns:r="http://schemas.openxmlformats.org/officeDocument/2006/relationships" xmlns:p="http://schemas.openxmlformats.org/presentationml/2006/main">
+  <p:cSld>
+    <p:spTree>
+      <p:nvGrpSpPr>
+        <p:cNvPr id="1" name=""/>
+        <p:cNvGrpSpPr/>
+        <p:nvPr/>
+      </p:nvGrpSpPr>
+      <p:grpSpPr/>
+      <p:sp>
+        <p:nvSpPr>
+          <p:cNvPr id="2" name="幻灯片图像占位符 1"/>
+          <p:cNvSpPr/>
+          <p:nvPr>
+            <p:ph type="sldImg" idx="2"/>
+          </p:nvPr>
+        </p:nvSpPr>
+        <p:spPr/>
+      </p:sp>
+      <p:sp>
+        <p:nvSpPr>
+          <p:cNvPr id="3" name="文本占位符 2"/>
+          <p:cNvSpPr/>
+          <p:nvPr>
+            <p:ph type="body" idx="3"/>
+          </p:nvPr>
+        </p:nvSpPr>
+        <p:spPr/>
+        <p:txBody>
+          <a:bodyPr/>
+          <a:p>
+            <a:r>
+              <a:rPr lang="en-US" altLang="zh-CN"/>
+              <a:t>1.C++</a:t>
+            </a:r>
+            <a:r>
+              <a:rPr lang="zh-CN" altLang="en-US"/>
+              <a:t>是一种强类型语言</a:t>
+            </a:r>
+            <a:endParaRPr lang="zh-CN" altLang="en-US"/>
+          </a:p>
+          <a:p>
+            <a:r>
+              <a:rPr lang="en-US" altLang="zh-CN"/>
+              <a:t>2.</a:t>
+            </a:r>
+            <a:r>
+              <a:rPr lang="zh-CN" altLang="en-US"/>
+              <a:t>对用户自定义的类型提供更多的支撑</a:t>
+            </a:r>
+            <a:endParaRPr lang="zh-CN" altLang="en-US"/>
+          </a:p>
+          <a:p>
+            <a:r>
+              <a:rPr lang="en-US" altLang="zh-CN"/>
+              <a:t>3.</a:t>
+            </a:r>
+            <a:r>
+              <a:rPr lang="zh-CN" altLang="en-US"/>
+              <a:t>如果交换两种声明的顺序会导致不同的意思，那么这就应该是个错误，（如重载函数的歧义规则）。在兼容性和灵活性的约束下，要做好这条规则是很难的</a:t>
+            </a:r>
+            <a:endParaRPr lang="zh-CN" altLang="en-US"/>
+          </a:p>
+          <a:p>
+            <a:r>
+              <a:rPr lang="en-US" altLang="zh-CN"/>
+              <a:t>4.</a:t>
+            </a:r>
+            <a:r>
+              <a:rPr lang="zh-CN" altLang="en-US"/>
+              <a:t>预处理程序能极大的扩展语言的表达能力和灵活性，但同样也可能会带来程序设计的复杂性和额外的开销。（模板就是基于这一规则的一个尝试</a:t>
+            </a:r>
+            <a:r>
+              <a:rPr lang="zh-CN" altLang="en-US"/>
+              <a:t>）</a:t>
+            </a:r>
+            <a:endParaRPr lang="zh-CN" altLang="en-US"/>
           </a:p>
         </p:txBody>
       </p:sp>
@@ -9555,6 +9870,315 @@
       </p:sp>
       <p:sp>
         <p:nvSpPr>
+          <p:cNvPr id="3" name="内容占位符 2"/>
+          <p:cNvSpPr>
+            <a:spLocks noGrp="1"/>
+          </p:cNvSpPr>
+          <p:nvPr>
+            <p:ph idx="1"/>
+          </p:nvPr>
+        </p:nvSpPr>
+        <p:spPr/>
+        <p:txBody>
+          <a:bodyPr/>
+          <a:p>
+            <a:r>
+              <a:rPr lang="en-US" altLang="zh-CN" sz="2400"/>
+              <a:t>Cfront</a:t>
+            </a:r>
+            <a:endParaRPr lang="en-US" altLang="zh-CN" sz="2400"/>
+          </a:p>
+          <a:p>
+            <a:pPr lvl="1"/>
+            <a:r>
+              <a:rPr lang="zh-CN" altLang="en-US" sz="2050">
+                <a:sym typeface="+mn-ea"/>
+              </a:rPr>
+              <a:t>为了得到可移植性与高性能，满足绝大多数用户的需要，</a:t>
+            </a:r>
+            <a:r>
+              <a:rPr lang="en-US" altLang="zh-CN" sz="2050">
+                <a:sym typeface="+mn-ea"/>
+              </a:rPr>
+              <a:t>Cfront</a:t>
+            </a:r>
+            <a:r>
+              <a:rPr lang="zh-CN" altLang="en-US" sz="2050">
+                <a:sym typeface="+mn-ea"/>
+              </a:rPr>
+              <a:t>生成</a:t>
+            </a:r>
+            <a:r>
+              <a:rPr lang="en-US" altLang="zh-CN" sz="2050">
+                <a:sym typeface="+mn-ea"/>
+              </a:rPr>
+              <a:t>C</a:t>
+            </a:r>
+            <a:r>
+              <a:rPr lang="zh-CN" altLang="en-US" sz="2050">
+                <a:sym typeface="+mn-ea"/>
+              </a:rPr>
+              <a:t>代码作为一种公共的输入形式，供给各种代码生成程序使用。</a:t>
+            </a:r>
+            <a:endParaRPr lang="zh-CN" altLang="en-US" sz="2050"/>
+          </a:p>
+          <a:p>
+            <a:pPr lvl="1"/>
+            <a:r>
+              <a:rPr lang="zh-CN" altLang="en-US" sz="2050">
+                <a:sym typeface="+mn-ea"/>
+              </a:rPr>
+              <a:t>这种把编译系统做成一个</a:t>
+            </a:r>
+            <a:r>
+              <a:rPr lang="en-US" altLang="zh-CN" sz="2050">
+                <a:sym typeface="+mn-ea"/>
+              </a:rPr>
+              <a:t>C</a:t>
+            </a:r>
+            <a:r>
+              <a:rPr lang="zh-CN" altLang="en-US" sz="2050">
+                <a:sym typeface="+mn-ea"/>
+              </a:rPr>
+              <a:t>代码生成系统的方式后来变得很流行：</a:t>
+            </a:r>
+            <a:r>
+              <a:rPr lang="en-US" altLang="zh-CN" sz="2050">
+                <a:sym typeface="+mn-ea"/>
+              </a:rPr>
+              <a:t>Ada,Eiffel,Lisp,Smalltalk</a:t>
+            </a:r>
+            <a:r>
+              <a:rPr lang="zh-CN" altLang="en-US" sz="2050">
+                <a:sym typeface="+mn-ea"/>
+              </a:rPr>
+              <a:t>都用这种方法做过实现。</a:t>
+            </a:r>
+            <a:endParaRPr lang="zh-CN" altLang="en-US" sz="2050"/>
+          </a:p>
+          <a:p>
+            <a:pPr lvl="1"/>
+            <a:r>
+              <a:rPr lang="zh-CN" altLang="en-US" sz="2050">
+                <a:sym typeface="+mn-ea"/>
+              </a:rPr>
+              <a:t>最初的</a:t>
+            </a:r>
+            <a:r>
+              <a:rPr lang="en-US" altLang="zh-CN" sz="2050">
+                <a:sym typeface="+mn-ea"/>
+              </a:rPr>
+              <a:t>C++</a:t>
+            </a:r>
+            <a:r>
+              <a:rPr lang="zh-CN" altLang="en-US" sz="2050">
+                <a:sym typeface="+mn-ea"/>
+              </a:rPr>
+              <a:t>编译器 </a:t>
+            </a:r>
+            <a:r>
+              <a:rPr lang="en-US" altLang="zh-CN" sz="2050">
+                <a:sym typeface="+mn-ea"/>
+              </a:rPr>
+              <a:t>= Cfront + C</a:t>
+            </a:r>
+            <a:r>
+              <a:rPr lang="zh-CN" altLang="en-US" sz="2050">
+                <a:sym typeface="+mn-ea"/>
+              </a:rPr>
+              <a:t>编译器</a:t>
+            </a:r>
+            <a:endParaRPr lang="zh-CN" altLang="en-US" sz="2050">
+              <a:sym typeface="+mn-ea"/>
+            </a:endParaRPr>
+          </a:p>
+          <a:p>
+            <a:pPr lvl="1"/>
+            <a:endParaRPr lang="en-US" altLang="zh-CN" sz="2055"/>
+          </a:p>
+          <a:p>
+            <a:r>
+              <a:rPr lang="zh-CN" altLang="en-US" sz="2400">
+                <a:sym typeface="+mn-ea"/>
+              </a:rPr>
+              <a:t>与基于预处理实现的区别？</a:t>
+            </a:r>
+            <a:endParaRPr lang="zh-CN" altLang="en-US" sz="2400">
+              <a:sym typeface="+mn-ea"/>
+            </a:endParaRPr>
+          </a:p>
+          <a:p>
+            <a:pPr lvl="1"/>
+            <a:r>
+              <a:rPr lang="en-US" altLang="zh-CN" sz="1800">
+                <a:sym typeface="+mn-ea"/>
+              </a:rPr>
+              <a:t>C</a:t>
+            </a:r>
+            <a:r>
+              <a:rPr lang="zh-CN" altLang="en-US" sz="1800">
+                <a:sym typeface="+mn-ea"/>
+              </a:rPr>
+              <a:t>编译器仅仅作为一个代码生成器，其产生的错误反应的是其本身或者</a:t>
+            </a:r>
+            <a:r>
+              <a:rPr lang="en-US" altLang="zh-CN" sz="1800">
+                <a:sym typeface="+mn-ea"/>
+              </a:rPr>
+              <a:t>Cfront</a:t>
+            </a:r>
+            <a:r>
+              <a:rPr lang="zh-CN" altLang="en-US" sz="1800">
+                <a:sym typeface="+mn-ea"/>
+              </a:rPr>
+              <a:t>的错误</a:t>
+            </a:r>
+            <a:endParaRPr lang="zh-CN" altLang="en-US" sz="1800">
+              <a:sym typeface="+mn-ea"/>
+            </a:endParaRPr>
+          </a:p>
+          <a:p>
+            <a:pPr lvl="1"/>
+            <a:r>
+              <a:rPr lang="en-US" altLang="zh-CN" sz="1800">
+                <a:sym typeface="+mn-ea"/>
+              </a:rPr>
+              <a:t>C++</a:t>
+            </a:r>
+            <a:r>
+              <a:rPr lang="zh-CN" altLang="en-US" sz="1800">
+                <a:sym typeface="+mn-ea"/>
+              </a:rPr>
+              <a:t>源码的语法语义错误原则上都由</a:t>
+            </a:r>
+            <a:r>
+              <a:rPr lang="en-US" altLang="zh-CN" sz="1800">
+                <a:sym typeface="+mn-ea"/>
+              </a:rPr>
+              <a:t>Cfront</a:t>
+            </a:r>
+            <a:r>
+              <a:rPr lang="zh-CN" altLang="en-US" sz="1800">
+                <a:sym typeface="+mn-ea"/>
+              </a:rPr>
+              <a:t>捕捉</a:t>
+            </a:r>
+            <a:endParaRPr lang="zh-CN" altLang="en-US" sz="2050"/>
+          </a:p>
+          <a:p>
+            <a:pPr lvl="1"/>
+            <a:endParaRPr lang="zh-CN" altLang="en-US" sz="2050"/>
+          </a:p>
+          <a:p>
+            <a:pPr lvl="1"/>
+            <a:endParaRPr lang="en-US" altLang="zh-CN" sz="2055"/>
+          </a:p>
+          <a:p>
+            <a:pPr marL="448945" lvl="1" indent="0">
+              <a:buNone/>
+            </a:pPr>
+            <a:endParaRPr lang="zh-CN" altLang="en-US" sz="2000"/>
+          </a:p>
+          <a:p>
+            <a:pPr lvl="1"/>
+            <a:endParaRPr lang="zh-CN" altLang="en-US" sz="1800"/>
+          </a:p>
+        </p:txBody>
+      </p:sp>
+      <p:sp>
+        <p:nvSpPr>
+          <p:cNvPr id="4" name="日期占位符 3"/>
+          <p:cNvSpPr>
+            <a:spLocks noGrp="1"/>
+          </p:cNvSpPr>
+          <p:nvPr>
+            <p:ph type="dt" sz="half" idx="10"/>
+          </p:nvPr>
+        </p:nvSpPr>
+        <p:spPr/>
+        <p:txBody>
+          <a:bodyPr/>
+          <a:p>
+            <a:pPr>
+              <a:defRPr/>
+            </a:pPr>
+            <a:fld id="{C3045993-22F5-4A4A-A100-530159DF4E0A}" type="datetime1">
+              <a:rPr lang="zh-CN" altLang="en-US"/>
+            </a:fld>
+            <a:endParaRPr lang="en-US" altLang="zh-CN"/>
+          </a:p>
+        </p:txBody>
+      </p:sp>
+      <p:sp>
+        <p:nvSpPr>
+          <p:cNvPr id="5" name="灯片编号占位符 4"/>
+          <p:cNvSpPr>
+            <a:spLocks noGrp="1"/>
+          </p:cNvSpPr>
+          <p:nvPr>
+            <p:ph type="sldNum" sz="quarter" idx="12"/>
+          </p:nvPr>
+        </p:nvSpPr>
+        <p:spPr/>
+        <p:txBody>
+          <a:bodyPr/>
+          <a:p>
+            <a:pPr>
+              <a:defRPr/>
+            </a:pPr>
+            <a:fld id="{D85E49C4-DBF0-4135-9403-B2A86A71F1E3}" type="slidenum">
+              <a:rPr lang="en-US" altLang="zh-CN"/>
+            </a:fld>
+            <a:endParaRPr lang="en-US" altLang="zh-CN"/>
+          </a:p>
+        </p:txBody>
+      </p:sp>
+    </p:spTree>
+  </p:cSld>
+  <p:clrMapOvr>
+    <a:masterClrMapping/>
+  </p:clrMapOvr>
+</p:sld>
+</file>
+
+<file path=ppt/slides/slide13.xml><?xml version="1.0" encoding="utf-8"?>
+<p:sld xmlns:a="http://schemas.openxmlformats.org/drawingml/2006/main" xmlns:r="http://schemas.openxmlformats.org/officeDocument/2006/relationships" xmlns:p="http://schemas.openxmlformats.org/presentationml/2006/main">
+  <p:cSld>
+    <p:spTree>
+      <p:nvGrpSpPr>
+        <p:cNvPr id="1" name=""/>
+        <p:cNvGrpSpPr/>
+        <p:nvPr/>
+      </p:nvGrpSpPr>
+      <p:grpSpPr/>
+      <p:sp>
+        <p:nvSpPr>
+          <p:cNvPr id="2" name="标题 1"/>
+          <p:cNvSpPr>
+            <a:spLocks noGrp="1"/>
+          </p:cNvSpPr>
+          <p:nvPr>
+            <p:ph type="title"/>
+          </p:nvPr>
+        </p:nvSpPr>
+        <p:spPr/>
+        <p:txBody>
+          <a:bodyPr/>
+          <a:p>
+            <a:r>
+              <a:rPr lang="en-US" altLang="zh-CN"/>
+              <a:t>C++</a:t>
+            </a:r>
+            <a:r>
+              <a:rPr lang="zh-CN" altLang="en-US"/>
+              <a:t>的诞生</a:t>
+            </a:r>
+            <a:endParaRPr lang="zh-CN" altLang="en-US"/>
+          </a:p>
+        </p:txBody>
+      </p:sp>
+      <p:sp>
+        <p:nvSpPr>
           <p:cNvPr id="4" name="日期占位符 3"/>
           <p:cNvSpPr>
             <a:spLocks noGrp="1"/>
@@ -9638,315 +10262,6 @@
 </p:sld>
 </file>
 
-<file path=ppt/slides/slide13.xml><?xml version="1.0" encoding="utf-8"?>
-<p:sld xmlns:a="http://schemas.openxmlformats.org/drawingml/2006/main" xmlns:r="http://schemas.openxmlformats.org/officeDocument/2006/relationships" xmlns:p="http://schemas.openxmlformats.org/presentationml/2006/main">
-  <p:cSld>
-    <p:spTree>
-      <p:nvGrpSpPr>
-        <p:cNvPr id="1" name=""/>
-        <p:cNvGrpSpPr/>
-        <p:nvPr/>
-      </p:nvGrpSpPr>
-      <p:grpSpPr/>
-      <p:sp>
-        <p:nvSpPr>
-          <p:cNvPr id="2" name="标题 1"/>
-          <p:cNvSpPr>
-            <a:spLocks noGrp="1"/>
-          </p:cNvSpPr>
-          <p:nvPr>
-            <p:ph type="title"/>
-          </p:nvPr>
-        </p:nvSpPr>
-        <p:spPr/>
-        <p:txBody>
-          <a:bodyPr/>
-          <a:p>
-            <a:r>
-              <a:rPr lang="en-US" altLang="zh-CN"/>
-              <a:t>C++</a:t>
-            </a:r>
-            <a:r>
-              <a:rPr lang="zh-CN" altLang="en-US"/>
-              <a:t>的诞生</a:t>
-            </a:r>
-            <a:endParaRPr lang="zh-CN" altLang="en-US"/>
-          </a:p>
-        </p:txBody>
-      </p:sp>
-      <p:sp>
-        <p:nvSpPr>
-          <p:cNvPr id="3" name="内容占位符 2"/>
-          <p:cNvSpPr>
-            <a:spLocks noGrp="1"/>
-          </p:cNvSpPr>
-          <p:nvPr>
-            <p:ph idx="1"/>
-          </p:nvPr>
-        </p:nvSpPr>
-        <p:spPr/>
-        <p:txBody>
-          <a:bodyPr/>
-          <a:p>
-            <a:r>
-              <a:rPr lang="en-US" altLang="zh-CN" sz="2400"/>
-              <a:t>Cfront</a:t>
-            </a:r>
-            <a:endParaRPr lang="en-US" altLang="zh-CN" sz="2400"/>
-          </a:p>
-          <a:p>
-            <a:pPr lvl="1"/>
-            <a:r>
-              <a:rPr lang="zh-CN" altLang="en-US" sz="2050">
-                <a:sym typeface="+mn-ea"/>
-              </a:rPr>
-              <a:t>为了得到可移植性与高性能，满足绝大多数用户的需要，</a:t>
-            </a:r>
-            <a:r>
-              <a:rPr lang="en-US" altLang="zh-CN" sz="2050">
-                <a:sym typeface="+mn-ea"/>
-              </a:rPr>
-              <a:t>Cfront</a:t>
-            </a:r>
-            <a:r>
-              <a:rPr lang="zh-CN" altLang="en-US" sz="2050">
-                <a:sym typeface="+mn-ea"/>
-              </a:rPr>
-              <a:t>生成</a:t>
-            </a:r>
-            <a:r>
-              <a:rPr lang="en-US" altLang="zh-CN" sz="2050">
-                <a:sym typeface="+mn-ea"/>
-              </a:rPr>
-              <a:t>C</a:t>
-            </a:r>
-            <a:r>
-              <a:rPr lang="zh-CN" altLang="en-US" sz="2050">
-                <a:sym typeface="+mn-ea"/>
-              </a:rPr>
-              <a:t>代码作为一种公共的输入形式，供给各种代码生成程序使用。</a:t>
-            </a:r>
-            <a:endParaRPr lang="zh-CN" altLang="en-US" sz="2050"/>
-          </a:p>
-          <a:p>
-            <a:pPr lvl="1"/>
-            <a:r>
-              <a:rPr lang="zh-CN" altLang="en-US" sz="2050">
-                <a:sym typeface="+mn-ea"/>
-              </a:rPr>
-              <a:t>这种把编译系统做成一个</a:t>
-            </a:r>
-            <a:r>
-              <a:rPr lang="en-US" altLang="zh-CN" sz="2050">
-                <a:sym typeface="+mn-ea"/>
-              </a:rPr>
-              <a:t>C</a:t>
-            </a:r>
-            <a:r>
-              <a:rPr lang="zh-CN" altLang="en-US" sz="2050">
-                <a:sym typeface="+mn-ea"/>
-              </a:rPr>
-              <a:t>代码生成系统的方式后来变得很流行：</a:t>
-            </a:r>
-            <a:r>
-              <a:rPr lang="en-US" altLang="zh-CN" sz="2050">
-                <a:sym typeface="+mn-ea"/>
-              </a:rPr>
-              <a:t>Ada,Eiffel,Lisp,Smalltalk</a:t>
-            </a:r>
-            <a:r>
-              <a:rPr lang="zh-CN" altLang="en-US" sz="2050">
-                <a:sym typeface="+mn-ea"/>
-              </a:rPr>
-              <a:t>都用这种方法做过实现。</a:t>
-            </a:r>
-            <a:endParaRPr lang="zh-CN" altLang="en-US" sz="2050"/>
-          </a:p>
-          <a:p>
-            <a:pPr lvl="1"/>
-            <a:r>
-              <a:rPr lang="zh-CN" altLang="en-US" sz="2050">
-                <a:sym typeface="+mn-ea"/>
-              </a:rPr>
-              <a:t>最初的</a:t>
-            </a:r>
-            <a:r>
-              <a:rPr lang="en-US" altLang="zh-CN" sz="2050">
-                <a:sym typeface="+mn-ea"/>
-              </a:rPr>
-              <a:t>C++</a:t>
-            </a:r>
-            <a:r>
-              <a:rPr lang="zh-CN" altLang="en-US" sz="2050">
-                <a:sym typeface="+mn-ea"/>
-              </a:rPr>
-              <a:t>编译器 </a:t>
-            </a:r>
-            <a:r>
-              <a:rPr lang="en-US" altLang="zh-CN" sz="2050">
-                <a:sym typeface="+mn-ea"/>
-              </a:rPr>
-              <a:t>= Cfront + C</a:t>
-            </a:r>
-            <a:r>
-              <a:rPr lang="zh-CN" altLang="en-US" sz="2050">
-                <a:sym typeface="+mn-ea"/>
-              </a:rPr>
-              <a:t>编译器</a:t>
-            </a:r>
-            <a:endParaRPr lang="zh-CN" altLang="en-US" sz="2050">
-              <a:sym typeface="+mn-ea"/>
-            </a:endParaRPr>
-          </a:p>
-          <a:p>
-            <a:pPr lvl="1"/>
-            <a:endParaRPr lang="en-US" altLang="zh-CN" sz="2055"/>
-          </a:p>
-          <a:p>
-            <a:r>
-              <a:rPr lang="zh-CN" altLang="en-US" sz="2400">
-                <a:sym typeface="+mn-ea"/>
-              </a:rPr>
-              <a:t>与基于预处理实现的区别？</a:t>
-            </a:r>
-            <a:endParaRPr lang="zh-CN" altLang="en-US" sz="2400">
-              <a:sym typeface="+mn-ea"/>
-            </a:endParaRPr>
-          </a:p>
-          <a:p>
-            <a:pPr lvl="1"/>
-            <a:r>
-              <a:rPr lang="en-US" altLang="zh-CN" sz="1800">
-                <a:sym typeface="+mn-ea"/>
-              </a:rPr>
-              <a:t>C</a:t>
-            </a:r>
-            <a:r>
-              <a:rPr lang="zh-CN" altLang="en-US" sz="1800">
-                <a:sym typeface="+mn-ea"/>
-              </a:rPr>
-              <a:t>编译器仅仅作为一个代码生成器，其产生的错误反应的是其本身或者</a:t>
-            </a:r>
-            <a:r>
-              <a:rPr lang="en-US" altLang="zh-CN" sz="1800">
-                <a:sym typeface="+mn-ea"/>
-              </a:rPr>
-              <a:t>Cfront</a:t>
-            </a:r>
-            <a:r>
-              <a:rPr lang="zh-CN" altLang="en-US" sz="1800">
-                <a:sym typeface="+mn-ea"/>
-              </a:rPr>
-              <a:t>的错误</a:t>
-            </a:r>
-            <a:endParaRPr lang="zh-CN" altLang="en-US" sz="1800">
-              <a:sym typeface="+mn-ea"/>
-            </a:endParaRPr>
-          </a:p>
-          <a:p>
-            <a:pPr lvl="1"/>
-            <a:r>
-              <a:rPr lang="en-US" altLang="zh-CN" sz="1800">
-                <a:sym typeface="+mn-ea"/>
-              </a:rPr>
-              <a:t>C++</a:t>
-            </a:r>
-            <a:r>
-              <a:rPr lang="zh-CN" altLang="en-US" sz="1800">
-                <a:sym typeface="+mn-ea"/>
-              </a:rPr>
-              <a:t>源码的语法语义错误原则上都由</a:t>
-            </a:r>
-            <a:r>
-              <a:rPr lang="en-US" altLang="zh-CN" sz="1800">
-                <a:sym typeface="+mn-ea"/>
-              </a:rPr>
-              <a:t>Cfront</a:t>
-            </a:r>
-            <a:r>
-              <a:rPr lang="zh-CN" altLang="en-US" sz="1800">
-                <a:sym typeface="+mn-ea"/>
-              </a:rPr>
-              <a:t>捕捉</a:t>
-            </a:r>
-            <a:endParaRPr lang="zh-CN" altLang="en-US" sz="2050"/>
-          </a:p>
-          <a:p>
-            <a:pPr lvl="1"/>
-            <a:endParaRPr lang="zh-CN" altLang="en-US" sz="2050"/>
-          </a:p>
-          <a:p>
-            <a:pPr lvl="1"/>
-            <a:endParaRPr lang="en-US" altLang="zh-CN" sz="2055"/>
-          </a:p>
-          <a:p>
-            <a:pPr marL="448945" lvl="1" indent="0">
-              <a:buNone/>
-            </a:pPr>
-            <a:endParaRPr lang="zh-CN" altLang="en-US" sz="2000"/>
-          </a:p>
-          <a:p>
-            <a:pPr lvl="1"/>
-            <a:endParaRPr lang="zh-CN" altLang="en-US" sz="1800"/>
-          </a:p>
-        </p:txBody>
-      </p:sp>
-      <p:sp>
-        <p:nvSpPr>
-          <p:cNvPr id="4" name="日期占位符 3"/>
-          <p:cNvSpPr>
-            <a:spLocks noGrp="1"/>
-          </p:cNvSpPr>
-          <p:nvPr>
-            <p:ph type="dt" sz="half" idx="10"/>
-          </p:nvPr>
-        </p:nvSpPr>
-        <p:spPr/>
-        <p:txBody>
-          <a:bodyPr/>
-          <a:p>
-            <a:pPr>
-              <a:defRPr/>
-            </a:pPr>
-            <a:fld id="{C3045993-22F5-4A4A-A100-530159DF4E0A}" type="datetime1">
-              <a:rPr lang="zh-CN" altLang="en-US"/>
-            </a:fld>
-            <a:endParaRPr lang="en-US" altLang="zh-CN"/>
-          </a:p>
-        </p:txBody>
-      </p:sp>
-      <p:sp>
-        <p:nvSpPr>
-          <p:cNvPr id="5" name="灯片编号占位符 4"/>
-          <p:cNvSpPr>
-            <a:spLocks noGrp="1"/>
-          </p:cNvSpPr>
-          <p:nvPr>
-            <p:ph type="sldNum" sz="quarter" idx="12"/>
-          </p:nvPr>
-        </p:nvSpPr>
-        <p:spPr/>
-        <p:txBody>
-          <a:bodyPr/>
-          <a:p>
-            <a:pPr>
-              <a:defRPr/>
-            </a:pPr>
-            <a:fld id="{D85E49C4-DBF0-4135-9403-B2A86A71F1E3}" type="slidenum">
-              <a:rPr lang="en-US" altLang="zh-CN"/>
-            </a:fld>
-            <a:endParaRPr lang="en-US" altLang="zh-CN"/>
-          </a:p>
-        </p:txBody>
-      </p:sp>
-    </p:spTree>
-  </p:cSld>
-  <p:clrMapOvr>
-    <a:masterClrMapping/>
-  </p:clrMapOvr>
-</p:sld>
-</file>
-
 <file path=ppt/slides/slide14.xml><?xml version="1.0" encoding="utf-8"?>
 <p:sld xmlns:a="http://schemas.openxmlformats.org/drawingml/2006/main" xmlns:r="http://schemas.openxmlformats.org/officeDocument/2006/relationships" xmlns:p="http://schemas.openxmlformats.org/presentationml/2006/main">
   <p:cSld>
@@ -10557,14 +10872,6 @@
             <a:r>
               <a:rPr lang="zh-CN" altLang="en-US"/>
               <a:t>支持一致的设计概念</a:t>
-            </a:r>
-            <a:endParaRPr lang="zh-CN" altLang="en-US"/>
-          </a:p>
-          <a:p>
-            <a:pPr lvl="1"/>
-            <a:r>
-              <a:rPr lang="zh-CN" altLang="en-US"/>
-              <a:t>为程序的组织提供各种机制</a:t>
             </a:r>
             <a:endParaRPr lang="zh-CN" altLang="en-US"/>
           </a:p>
@@ -11191,12 +11498,6 @@
               </a:rPr>
               <a:t>（被认为是最早的面向对象程序设计语言）</a:t>
             </a:r>
-            <a:r>
-              <a:rPr lang="en-US" altLang="zh-CN" sz="2000" dirty="0">
-                <a:sym typeface="+mn-ea"/>
-              </a:rPr>
-              <a:t>:</a:t>
-            </a:r>
             <a:endParaRPr lang="en-US" altLang="zh-CN" sz="2000" dirty="0">
               <a:sym typeface="+mn-ea"/>
             </a:endParaRPr>
@@ -11436,7 +11737,7 @@
             <a:pPr lvl="1"/>
             <a:r>
               <a:rPr lang="zh-CN" altLang="en-US"/>
-              <a:t>好的工具产生出的程序应该能运行的性</a:t>
+              <a:t>好的工具产生出的程序应该能运行的像</a:t>
             </a:r>
             <a:r>
               <a:rPr lang="en-US" altLang="zh-CN"/>
